--- a/slides/PSYC753_Chris1.pptx
+++ b/slides/PSYC753_Chris1.pptx
@@ -7,10 +7,10 @@
     <p:sldMasterId id="2147483809" r:id="rId6"/>
   </p:sldMasterIdLst>
   <p:notesMasterIdLst>
-    <p:notesMasterId r:id="rId24"/>
+    <p:notesMasterId r:id="rId25"/>
   </p:notesMasterIdLst>
   <p:handoutMasterIdLst>
-    <p:handoutMasterId r:id="rId25"/>
+    <p:handoutMasterId r:id="rId26"/>
   </p:handoutMasterIdLst>
   <p:sldIdLst>
     <p:sldId id="494" r:id="rId7"/>
@@ -29,7 +29,8 @@
     <p:sldId id="517" r:id="rId20"/>
     <p:sldId id="522" r:id="rId21"/>
     <p:sldId id="525" r:id="rId22"/>
-    <p:sldId id="515" r:id="rId23"/>
+    <p:sldId id="526" r:id="rId23"/>
+    <p:sldId id="515" r:id="rId24"/>
   </p:sldIdLst>
   <p:sldSz cx="12192000" cy="6858000"/>
   <p:notesSz cx="7102475" cy="10233025"/>
@@ -523,7 +524,7 @@
               <a:pPr>
                 <a:defRPr/>
               </a:pPr>
-              <a:t>05/11/2020</a:t>
+              <a:t>07/11/2020</a:t>
             </a:fld>
             <a:endParaRPr lang="en-GB"/>
           </a:p>
@@ -904,161 +905,10 @@
           <a:bodyPr/>
           <a:lstStyle/>
           <a:p>
-            <a:pPr>
-              <a:defRPr/>
-            </a:pPr>
-            <a:r>
-              <a:rPr lang="en-GB" sz="1100" dirty="0" smtClean="0"/>
-              <a:t>Have a print out of the Henkel (2014) article</a:t>
-            </a:r>
-          </a:p>
-          <a:p>
-            <a:pPr>
-              <a:defRPr/>
-            </a:pPr>
-            <a:r>
-              <a:rPr lang="en-GB" sz="1100" dirty="0" smtClean="0"/>
-              <a:t>Have print out of all tutorial groups</a:t>
-            </a:r>
-          </a:p>
-          <a:p>
             <a:pPr marL="173593" indent="-173593">
               <a:defRPr/>
             </a:pPr>
-            <a:endParaRPr lang="en-GB" sz="1100" dirty="0" smtClean="0"/>
-          </a:p>
-          <a:p>
-            <a:pPr marL="173593" indent="-173593">
-              <a:defRPr/>
-            </a:pPr>
-            <a:endParaRPr lang="en-GB" sz="1100" dirty="0" smtClean="0"/>
-          </a:p>
-          <a:p>
-            <a:pPr marL="173593" indent="-173593">
-              <a:defRPr/>
-            </a:pPr>
-            <a:r>
-              <a:rPr lang="en-GB" sz="1100" dirty="0" smtClean="0"/>
-              <a:t>Introduce self</a:t>
-            </a:r>
-          </a:p>
-          <a:p>
-            <a:pPr marL="173593" indent="-173593">
-              <a:defRPr/>
-            </a:pPr>
-            <a:r>
-              <a:rPr lang="en-GB" sz="1100" dirty="0" smtClean="0"/>
-              <a:t>Introduce workshop</a:t>
-            </a:r>
-          </a:p>
-          <a:p>
-            <a:pPr marL="173593" indent="-173593">
-              <a:defRPr/>
-            </a:pPr>
-            <a:endParaRPr lang="en-GB" sz="1100" dirty="0" smtClean="0"/>
-          </a:p>
-          <a:p>
-            <a:pPr marL="173593" indent="-173593">
-              <a:defRPr/>
-            </a:pPr>
-            <a:endParaRPr lang="en-GB" sz="1100" dirty="0" smtClean="0"/>
-          </a:p>
-          <a:p>
-            <a:pPr marL="173593" indent="-173593">
-              <a:defRPr/>
-            </a:pPr>
-            <a:r>
-              <a:rPr lang="en-GB" sz="1100" dirty="0" smtClean="0"/>
-              <a:t>Aims:</a:t>
-            </a:r>
-          </a:p>
-          <a:p>
-            <a:pPr>
-              <a:defRPr/>
-            </a:pPr>
-            <a:r>
-              <a:rPr lang="en-GB" b="1" dirty="0" smtClean="0"/>
-              <a:t> </a:t>
-            </a:r>
-            <a:endParaRPr lang="en-GB" dirty="0" smtClean="0"/>
-          </a:p>
-          <a:p>
-            <a:pPr>
-              <a:defRPr/>
-            </a:pPr>
-            <a:r>
-              <a:rPr lang="en-GB" b="1" dirty="0" smtClean="0"/>
-              <a:t>Aims</a:t>
-            </a:r>
-            <a:endParaRPr lang="en-GB" dirty="0" smtClean="0"/>
-          </a:p>
-          <a:p>
-            <a:pPr lvl="1">
-              <a:defRPr/>
-            </a:pPr>
-            <a:r>
-              <a:rPr lang="en-GB" dirty="0" smtClean="0"/>
-              <a:t>Introduce students to different sources of information (paper/textbook/website); evaluate their suitability.</a:t>
-            </a:r>
-          </a:p>
-          <a:p>
-            <a:pPr lvl="1">
-              <a:defRPr/>
-            </a:pPr>
-            <a:r>
-              <a:rPr lang="en-GB" dirty="0" smtClean="0"/>
-              <a:t>Get familiar with format of an academic paper</a:t>
-            </a:r>
-          </a:p>
-          <a:p>
-            <a:pPr lvl="1">
-              <a:defRPr/>
-            </a:pPr>
-            <a:r>
-              <a:rPr lang="en-GB" dirty="0" smtClean="0"/>
-              <a:t>How to find specific papers</a:t>
-            </a:r>
-          </a:p>
-          <a:p>
-            <a:pPr lvl="1">
-              <a:defRPr/>
-            </a:pPr>
-            <a:r>
-              <a:rPr lang="en-GB" dirty="0" smtClean="0"/>
-              <a:t>How to look for more recent citations</a:t>
-            </a:r>
-          </a:p>
-          <a:p>
-            <a:pPr lvl="1">
-              <a:defRPr/>
-            </a:pPr>
-            <a:r>
-              <a:rPr lang="en-GB" dirty="0" smtClean="0"/>
-              <a:t>How to find past references</a:t>
-            </a:r>
-          </a:p>
-          <a:p>
-            <a:pPr lvl="1">
-              <a:defRPr/>
-            </a:pPr>
-            <a:r>
-              <a:rPr lang="en-GB" dirty="0" smtClean="0"/>
-              <a:t>Search for papers by members of staff in the school</a:t>
-            </a:r>
-            <a:r>
-              <a:rPr lang="en-GB" b="1" dirty="0" smtClean="0"/>
-              <a:t/>
-            </a:r>
-            <a:br>
-              <a:rPr lang="en-GB" b="1" dirty="0" smtClean="0"/>
-            </a:br>
-            <a:endParaRPr lang="en-GB" dirty="0" smtClean="0"/>
-          </a:p>
-          <a:p>
-            <a:pPr marL="173593" indent="-173593">
-              <a:defRPr/>
-            </a:pPr>
-            <a:endParaRPr lang="en-GB" sz="1100" dirty="0"/>
+            <a:endParaRPr lang="en-GB" dirty="0"/>
           </a:p>
         </p:txBody>
       </p:sp>
@@ -1315,40 +1165,7 @@
           </a:bodyPr>
           <a:lstStyle/>
           <a:p>
-            <a:r>
-              <a:rPr lang="en-GB" altLang="en-US" smtClean="0"/>
-              <a:t>Let’s recap what we were looking at in simple regression</a:t>
-            </a:r>
-          </a:p>
-          <a:p>
-            <a:endParaRPr lang="en-GB" altLang="en-US" smtClean="0"/>
-          </a:p>
-          <a:p>
-            <a:r>
-              <a:rPr lang="en-GB" altLang="en-US" smtClean="0"/>
-              <a:t>In simple regression we have one predictor variable and one outcome variable</a:t>
-            </a:r>
-          </a:p>
-          <a:p>
-            <a:endParaRPr lang="en-GB" altLang="en-US" smtClean="0"/>
-          </a:p>
-          <a:p>
-            <a:endParaRPr lang="en-GB" altLang="en-US" smtClean="0"/>
-          </a:p>
-          <a:p>
-            <a:r>
-              <a:rPr lang="en-GB" altLang="en-US" smtClean="0"/>
-              <a:t>The model of the relationship between the variables is given by the regression line</a:t>
-            </a:r>
-          </a:p>
-          <a:p>
-            <a:endParaRPr lang="en-GB" altLang="en-US" smtClean="0"/>
-          </a:p>
-          <a:p>
-            <a:endParaRPr lang="en-GB" altLang="en-US" smtClean="0"/>
-          </a:p>
-          <a:p>
-            <a:endParaRPr lang="en-GB" altLang="en-US" smtClean="0"/>
+            <a:endParaRPr lang="en-GB" altLang="en-US"/>
           </a:p>
         </p:txBody>
       </p:sp>
@@ -1609,121 +1426,7 @@
           </a:bodyPr>
           <a:lstStyle/>
           <a:p>
-            <a:r>
-              <a:rPr lang="en-GB" altLang="en-US" sz="1100" smtClean="0"/>
-              <a:t>In multiple regression we have a number of predictor variables.</a:t>
-            </a:r>
-          </a:p>
-          <a:p>
-            <a:endParaRPr lang="en-GB" altLang="en-US" sz="1100" smtClean="0"/>
-          </a:p>
-          <a:p>
-            <a:r>
-              <a:rPr lang="en-GB" altLang="en-US" sz="1100" smtClean="0"/>
-              <a:t>We want to see whether the outcome variable can be predicted by a number of predictor variables. </a:t>
-            </a:r>
-          </a:p>
-          <a:p>
-            <a:endParaRPr lang="en-GB" altLang="en-US" sz="1100" smtClean="0"/>
-          </a:p>
-          <a:p>
-            <a:r>
-              <a:rPr lang="en-GB" altLang="en-US" sz="1100" smtClean="0"/>
-              <a:t>So for example, can we predict GPA from Grit and IQ</a:t>
-            </a:r>
-          </a:p>
-          <a:p>
-            <a:endParaRPr lang="en-GB" altLang="en-US" sz="1100" smtClean="0"/>
-          </a:p>
-          <a:p>
-            <a:r>
-              <a:rPr lang="en-GB" altLang="en-US" sz="1100" smtClean="0"/>
-              <a:t>If we knew someone’s Grit </a:t>
-            </a:r>
-            <a:r>
-              <a:rPr lang="en-GB" altLang="en-US" sz="1100" i="1" smtClean="0"/>
-              <a:t>and</a:t>
-            </a:r>
-            <a:r>
-              <a:rPr lang="en-GB" altLang="en-US" sz="1100" smtClean="0"/>
-              <a:t> IQ, would these two things help us to predict their GPA score.</a:t>
-            </a:r>
-          </a:p>
-          <a:p>
-            <a:endParaRPr lang="en-GB" altLang="en-US" sz="1100" smtClean="0"/>
-          </a:p>
-          <a:p>
-            <a:r>
-              <a:rPr lang="en-GB" altLang="en-US" sz="1100" smtClean="0"/>
-              <a:t>In simple regression we had a model of the relationship between one predictor and the outcome.</a:t>
-            </a:r>
-          </a:p>
-          <a:p>
-            <a:r>
-              <a:rPr lang="en-GB" altLang="en-US" sz="1100" smtClean="0"/>
-              <a:t>In multiple regression we have a model of the relationship between a number of predictors and the outcome.</a:t>
-            </a:r>
-          </a:p>
-          <a:p>
-            <a:endParaRPr lang="en-GB" altLang="en-US" sz="1100" smtClean="0"/>
-          </a:p>
-          <a:p>
-            <a:r>
-              <a:rPr lang="en-GB" altLang="en-US" sz="1100" smtClean="0"/>
-              <a:t>In terms of variance, we’re asking, do Grit, IQ and Extraversion help to explain the variance in GPA scores.</a:t>
-            </a:r>
-          </a:p>
-          <a:p>
-            <a:endParaRPr lang="en-GB" altLang="en-US" sz="1100" smtClean="0"/>
-          </a:p>
-          <a:p>
-            <a:r>
-              <a:rPr lang="en-GB" altLang="en-US" sz="1100" smtClean="0"/>
-              <a:t>Multiple regression can help us to answer questions about which of these variables are important for predicting GPA.</a:t>
-            </a:r>
-          </a:p>
-          <a:p>
-            <a:pPr lvl="1"/>
-            <a:r>
-              <a:rPr lang="en-GB" altLang="en-US" sz="1100" smtClean="0"/>
-              <a:t>We know that Grit is important</a:t>
-            </a:r>
-          </a:p>
-          <a:p>
-            <a:pPr lvl="1"/>
-            <a:r>
-              <a:rPr lang="en-GB" altLang="en-US" sz="1100" smtClean="0"/>
-              <a:t>Is IQ?</a:t>
-            </a:r>
-          </a:p>
-          <a:p>
-            <a:pPr lvl="1"/>
-            <a:r>
-              <a:rPr lang="en-GB" altLang="en-US" sz="1100" smtClean="0"/>
-              <a:t>Is Extraversion?</a:t>
-            </a:r>
-          </a:p>
-          <a:p>
-            <a:pPr lvl="1"/>
-            <a:endParaRPr lang="en-GB" altLang="en-US" sz="1100" smtClean="0"/>
-          </a:p>
-          <a:p>
-            <a:r>
-              <a:rPr lang="en-GB" altLang="en-US" sz="1100" smtClean="0"/>
-              <a:t>Multiple regression allows us to look at a whole bunch of variables and ask which of these predicts a certain outcome variable.</a:t>
-            </a:r>
-          </a:p>
-          <a:p>
-            <a:endParaRPr lang="en-GB" altLang="en-US" sz="1100" smtClean="0"/>
-          </a:p>
-          <a:p>
-            <a:r>
-              <a:rPr lang="en-GB" altLang="en-US" sz="1100" smtClean="0"/>
-              <a:t>Which are the important variables for explaining GPA?</a:t>
-            </a:r>
-          </a:p>
-          <a:p>
-            <a:endParaRPr lang="en-GB" altLang="en-US" sz="1100" smtClean="0"/>
+            <a:endParaRPr lang="en-GB" altLang="en-US"/>
           </a:p>
         </p:txBody>
       </p:sp>
@@ -2079,7 +1782,7 @@
               <a:pPr>
                 <a:defRPr/>
               </a:pPr>
-              <a:t>11/5/2020</a:t>
+              <a:t>11/7/2020</a:t>
             </a:fld>
             <a:endParaRPr lang="en-US"/>
           </a:p>
@@ -2276,7 +1979,7 @@
               <a:pPr>
                 <a:defRPr/>
               </a:pPr>
-              <a:t>11/5/2020</a:t>
+              <a:t>11/7/2020</a:t>
             </a:fld>
             <a:endParaRPr lang="en-US"/>
           </a:p>
@@ -2483,7 +2186,7 @@
               <a:pPr>
                 <a:defRPr/>
               </a:pPr>
-              <a:t>11/5/2020</a:t>
+              <a:t>11/7/2020</a:t>
             </a:fld>
             <a:endParaRPr lang="en-US"/>
           </a:p>
@@ -2698,7 +2401,7 @@
               <a:pPr>
                 <a:defRPr/>
               </a:pPr>
-              <a:t>05/11/2020</a:t>
+              <a:t>07/11/2020</a:t>
             </a:fld>
             <a:endParaRPr lang="en-GB"/>
           </a:p>
@@ -2883,7 +2586,7 @@
               <a:pPr>
                 <a:defRPr/>
               </a:pPr>
-              <a:t>05/11/2020</a:t>
+              <a:t>07/11/2020</a:t>
             </a:fld>
             <a:endParaRPr lang="en-GB"/>
           </a:p>
@@ -3144,7 +2847,7 @@
               <a:pPr>
                 <a:defRPr/>
               </a:pPr>
-              <a:t>05/11/2020</a:t>
+              <a:t>07/11/2020</a:t>
             </a:fld>
             <a:endParaRPr lang="en-GB"/>
           </a:p>
@@ -3391,7 +3094,7 @@
               <a:pPr>
                 <a:defRPr/>
               </a:pPr>
-              <a:t>05/11/2020</a:t>
+              <a:t>07/11/2020</a:t>
             </a:fld>
             <a:endParaRPr lang="en-GB"/>
           </a:p>
@@ -3773,7 +3476,7 @@
               <a:pPr>
                 <a:defRPr/>
               </a:pPr>
-              <a:t>05/11/2020</a:t>
+              <a:t>07/11/2020</a:t>
             </a:fld>
             <a:endParaRPr lang="en-GB"/>
           </a:p>
@@ -3906,7 +3609,7 @@
               <a:pPr>
                 <a:defRPr/>
               </a:pPr>
-              <a:t>05/11/2020</a:t>
+              <a:t>07/11/2020</a:t>
             </a:fld>
             <a:endParaRPr lang="en-GB"/>
           </a:p>
@@ -4016,7 +3719,7 @@
               <a:pPr>
                 <a:defRPr/>
               </a:pPr>
-              <a:t>05/11/2020</a:t>
+              <a:t>07/11/2020</a:t>
             </a:fld>
             <a:endParaRPr lang="en-GB"/>
           </a:p>
@@ -4308,7 +4011,7 @@
               <a:pPr>
                 <a:defRPr/>
               </a:pPr>
-              <a:t>05/11/2020</a:t>
+              <a:t>07/11/2020</a:t>
             </a:fld>
             <a:endParaRPr lang="en-GB"/>
           </a:p>
@@ -4497,7 +4200,7 @@
               <a:pPr>
                 <a:defRPr/>
               </a:pPr>
-              <a:t>11/5/2020</a:t>
+              <a:t>11/7/2020</a:t>
             </a:fld>
             <a:endParaRPr lang="en-US"/>
           </a:p>
@@ -4777,7 +4480,7 @@
               <a:pPr>
                 <a:defRPr/>
               </a:pPr>
-              <a:t>05/11/2020</a:t>
+              <a:t>07/11/2020</a:t>
             </a:fld>
             <a:endParaRPr lang="en-GB"/>
           </a:p>
@@ -4962,7 +4665,7 @@
               <a:pPr>
                 <a:defRPr/>
               </a:pPr>
-              <a:t>05/11/2020</a:t>
+              <a:t>07/11/2020</a:t>
             </a:fld>
             <a:endParaRPr lang="en-GB"/>
           </a:p>
@@ -5157,7 +4860,7 @@
               <a:pPr>
                 <a:defRPr/>
               </a:pPr>
-              <a:t>05/11/2020</a:t>
+              <a:t>07/11/2020</a:t>
             </a:fld>
             <a:endParaRPr lang="en-GB"/>
           </a:p>
@@ -5378,7 +5081,7 @@
               <a:pPr>
                 <a:defRPr/>
               </a:pPr>
-              <a:t>05/11/2020</a:t>
+              <a:t>07/11/2020</a:t>
             </a:fld>
             <a:endParaRPr lang="en-GB"/>
           </a:p>
@@ -5593,7 +5296,7 @@
               <a:pPr>
                 <a:defRPr/>
               </a:pPr>
-              <a:t>05/11/2020</a:t>
+              <a:t>07/11/2020</a:t>
             </a:fld>
             <a:endParaRPr lang="en-GB"/>
           </a:p>
@@ -5778,7 +5481,7 @@
               <a:pPr>
                 <a:defRPr/>
               </a:pPr>
-              <a:t>05/11/2020</a:t>
+              <a:t>07/11/2020</a:t>
             </a:fld>
             <a:endParaRPr lang="en-GB"/>
           </a:p>
@@ -6039,7 +5742,7 @@
               <a:pPr>
                 <a:defRPr/>
               </a:pPr>
-              <a:t>05/11/2020</a:t>
+              <a:t>07/11/2020</a:t>
             </a:fld>
             <a:endParaRPr lang="en-GB"/>
           </a:p>
@@ -6286,7 +5989,7 @@
               <a:pPr>
                 <a:defRPr/>
               </a:pPr>
-              <a:t>05/11/2020</a:t>
+              <a:t>07/11/2020</a:t>
             </a:fld>
             <a:endParaRPr lang="en-GB"/>
           </a:p>
@@ -6668,7 +6371,7 @@
               <a:pPr>
                 <a:defRPr/>
               </a:pPr>
-              <a:t>05/11/2020</a:t>
+              <a:t>07/11/2020</a:t>
             </a:fld>
             <a:endParaRPr lang="en-GB"/>
           </a:p>
@@ -6801,7 +6504,7 @@
               <a:pPr>
                 <a:defRPr/>
               </a:pPr>
-              <a:t>05/11/2020</a:t>
+              <a:t>07/11/2020</a:t>
             </a:fld>
             <a:endParaRPr lang="en-GB"/>
           </a:p>
@@ -7066,7 +6769,7 @@
               <a:pPr>
                 <a:defRPr/>
               </a:pPr>
-              <a:t>11/5/2020</a:t>
+              <a:t>11/7/2020</a:t>
             </a:fld>
             <a:endParaRPr lang="en-US"/>
           </a:p>
@@ -7184,7 +6887,7 @@
               <a:pPr>
                 <a:defRPr/>
               </a:pPr>
-              <a:t>05/11/2020</a:t>
+              <a:t>07/11/2020</a:t>
             </a:fld>
             <a:endParaRPr lang="en-GB"/>
           </a:p>
@@ -7476,7 +7179,7 @@
               <a:pPr>
                 <a:defRPr/>
               </a:pPr>
-              <a:t>05/11/2020</a:t>
+              <a:t>07/11/2020</a:t>
             </a:fld>
             <a:endParaRPr lang="en-GB"/>
           </a:p>
@@ -7748,7 +7451,7 @@
               <a:pPr>
                 <a:defRPr/>
               </a:pPr>
-              <a:t>05/11/2020</a:t>
+              <a:t>07/11/2020</a:t>
             </a:fld>
             <a:endParaRPr lang="en-GB"/>
           </a:p>
@@ -7933,7 +7636,7 @@
               <a:pPr>
                 <a:defRPr/>
               </a:pPr>
-              <a:t>05/11/2020</a:t>
+              <a:t>07/11/2020</a:t>
             </a:fld>
             <a:endParaRPr lang="en-GB"/>
           </a:p>
@@ -8128,7 +7831,7 @@
               <a:pPr>
                 <a:defRPr/>
               </a:pPr>
-              <a:t>05/11/2020</a:t>
+              <a:t>07/11/2020</a:t>
             </a:fld>
             <a:endParaRPr lang="en-GB"/>
           </a:p>
@@ -8435,7 +8138,7 @@
               <a:pPr>
                 <a:defRPr/>
               </a:pPr>
-              <a:t>11/5/2020</a:t>
+              <a:t>11/7/2020</a:t>
             </a:fld>
             <a:endParaRPr lang="en-US"/>
           </a:p>
@@ -8884,7 +8587,7 @@
               <a:pPr>
                 <a:defRPr/>
               </a:pPr>
-              <a:t>11/5/2020</a:t>
+              <a:t>11/7/2020</a:t>
             </a:fld>
             <a:endParaRPr lang="en-US"/>
           </a:p>
@@ -9029,7 +8732,7 @@
               <a:pPr>
                 <a:defRPr/>
               </a:pPr>
-              <a:t>11/5/2020</a:t>
+              <a:t>11/7/2020</a:t>
             </a:fld>
             <a:endParaRPr lang="en-US"/>
           </a:p>
@@ -9151,7 +8854,7 @@
               <a:pPr>
                 <a:defRPr/>
               </a:pPr>
-              <a:t>11/5/2020</a:t>
+              <a:t>11/7/2020</a:t>
             </a:fld>
             <a:endParaRPr lang="en-US"/>
           </a:p>
@@ -9455,7 +9158,7 @@
               <a:pPr>
                 <a:defRPr/>
               </a:pPr>
-              <a:t>11/5/2020</a:t>
+              <a:t>11/7/2020</a:t>
             </a:fld>
             <a:endParaRPr lang="en-US"/>
           </a:p>
@@ -9738,7 +9441,7 @@
               <a:pPr>
                 <a:defRPr/>
               </a:pPr>
-              <a:t>11/5/2020</a:t>
+              <a:t>11/7/2020</a:t>
             </a:fld>
             <a:endParaRPr lang="en-US"/>
           </a:p>
@@ -10026,7 +9729,7 @@
               <a:pPr>
                 <a:defRPr/>
               </a:pPr>
-              <a:t>11/5/2020</a:t>
+              <a:t>11/7/2020</a:t>
             </a:fld>
             <a:endParaRPr lang="en-US"/>
           </a:p>
@@ -10676,7 +10379,7 @@
               <a:pPr>
                 <a:defRPr/>
               </a:pPr>
-              <a:t>05/11/2020</a:t>
+              <a:t>07/11/2020</a:t>
             </a:fld>
             <a:endParaRPr lang="en-GB"/>
           </a:p>
@@ -11233,7 +10936,7 @@
               <a:pPr>
                 <a:defRPr/>
               </a:pPr>
-              <a:t>11/5/2020</a:t>
+              <a:t>11/7/2020</a:t>
             </a:fld>
             <a:endParaRPr lang="en-US"/>
           </a:p>
@@ -20119,6 +19822,104 @@
 </file>
 
 <file path=ppt/slides/slide17.xml><?xml version="1.0" encoding="utf-8"?>
+<p:sld xmlns:a="http://schemas.openxmlformats.org/drawingml/2006/main" xmlns:r="http://schemas.openxmlformats.org/officeDocument/2006/relationships" xmlns:p="http://schemas.openxmlformats.org/presentationml/2006/main">
+  <p:cSld>
+    <p:spTree>
+      <p:nvGrpSpPr>
+        <p:cNvPr id="1" name=""/>
+        <p:cNvGrpSpPr/>
+        <p:nvPr/>
+      </p:nvGrpSpPr>
+      <p:grpSpPr>
+        <a:xfrm>
+          <a:off x="0" y="0"/>
+          <a:ext cx="0" cy="0"/>
+          <a:chOff x="0" y="0"/>
+          <a:chExt cx="0" cy="0"/>
+        </a:xfrm>
+      </p:grpSpPr>
+      <p:sp>
+        <p:nvSpPr>
+          <p:cNvPr id="25602" name="Title 1"/>
+          <p:cNvSpPr>
+            <a:spLocks noGrp="1"/>
+          </p:cNvSpPr>
+          <p:nvPr>
+            <p:ph type="title"/>
+          </p:nvPr>
+        </p:nvSpPr>
+        <p:spPr>
+          <a:xfrm>
+            <a:off x="2152650" y="2556587"/>
+            <a:ext cx="7886700" cy="1721725"/>
+          </a:xfrm>
+        </p:spPr>
+        <p:txBody>
+          <a:bodyPr>
+            <a:normAutofit/>
+          </a:bodyPr>
+          <a:lstStyle/>
+          <a:p>
+            <a:pPr algn="ctr">
+              <a:defRPr/>
+            </a:pPr>
+            <a:r>
+              <a:rPr lang="en-GB" altLang="en-US" b="1" dirty="0">
+                <a:solidFill>
+                  <a:srgbClr val="002060"/>
+                </a:solidFill>
+                <a:latin typeface="+mn-lt"/>
+              </a:rPr>
+              <a:t>R </a:t>
+            </a:r>
+            <a:r>
+              <a:rPr lang="en-GB" altLang="en-US" b="1" dirty="0" smtClean="0">
+                <a:solidFill>
+                  <a:srgbClr val="002060"/>
+                </a:solidFill>
+                <a:latin typeface="+mn-lt"/>
+              </a:rPr>
+              <a:t>Scripts: </a:t>
+            </a:r>
+            <a:r>
+              <a:rPr lang="en-GB" altLang="en-US" b="1" dirty="0">
+                <a:solidFill>
+                  <a:srgbClr val="002060"/>
+                </a:solidFill>
+                <a:latin typeface="+mn-lt"/>
+              </a:rPr>
+              <a:t>Good Practice</a:t>
+            </a:r>
+            <a:endParaRPr lang="en-GB" altLang="en-US" b="1" dirty="0" smtClean="0">
+              <a:solidFill>
+                <a:srgbClr val="002060"/>
+              </a:solidFill>
+              <a:latin typeface="+mn-lt"/>
+            </a:endParaRPr>
+          </a:p>
+        </p:txBody>
+      </p:sp>
+    </p:spTree>
+    <p:extLst>
+      <p:ext uri="{BB962C8B-B14F-4D97-AF65-F5344CB8AC3E}">
+        <p14:creationId xmlns:p14="http://schemas.microsoft.com/office/powerpoint/2010/main" val="1279747189"/>
+      </p:ext>
+    </p:extLst>
+  </p:cSld>
+  <p:clrMapOvr>
+    <a:masterClrMapping/>
+  </p:clrMapOvr>
+  <p:timing>
+    <p:tnLst>
+      <p:par>
+        <p:cTn id="1" dur="indefinite" restart="never" nodeType="tmRoot"/>
+      </p:par>
+    </p:tnLst>
+  </p:timing>
+</p:sld>
+</file>
+
+<file path=ppt/slides/slide18.xml><?xml version="1.0" encoding="utf-8"?>
 <p:sld xmlns:a="http://schemas.openxmlformats.org/drawingml/2006/main" xmlns:r="http://schemas.openxmlformats.org/officeDocument/2006/relationships" xmlns:p="http://schemas.openxmlformats.org/presentationml/2006/main">
   <p:cSld>
     <p:spTree>
@@ -29619,6 +29420,15 @@
 </file>
 
 <file path=customXml/item1.xml><?xml version="1.0" encoding="utf-8"?>
+<?mso-contentType ?>
+<FormTemplates xmlns="http://schemas.microsoft.com/sharepoint/v3/contenttype/forms">
+  <Display>DocumentLibraryForm</Display>
+  <Edit>DocumentLibraryForm</Edit>
+  <New>DocumentLibraryForm</New>
+</FormTemplates>
+</file>
+
+<file path=customXml/item2.xml><?xml version="1.0" encoding="utf-8"?>
 <ct:contentTypeSchema xmlns:ct="http://schemas.microsoft.com/office/2006/metadata/contentType" xmlns:ma="http://schemas.microsoft.com/office/2006/metadata/properties/metaAttributes" ct:_="" ma:_="" ma:contentTypeName="Document" ma:contentTypeID="0x01010039C78F475D24344A969CCF416FCD45BB" ma:contentTypeVersion="13" ma:contentTypeDescription="Create a new document." ma:contentTypeScope="" ma:versionID="a0c5b494e4ac53bd353fcdbd7799a3f3">
   <xsd:schema xmlns:xsd="http://www.w3.org/2001/XMLSchema" xmlns:xs="http://www.w3.org/2001/XMLSchema" xmlns:p="http://schemas.microsoft.com/office/2006/metadata/properties" xmlns:ns3="1114de93-f3f1-4006-86a7-5ccf45982f95" xmlns:ns4="73a95059-53ff-4649-9213-6c5f0c8cde5d" targetNamespace="http://schemas.microsoft.com/office/2006/metadata/properties" ma:root="true" ma:fieldsID="ec7692872867c9011b958cb5bd08a7df" ns3:_="" ns4:_="">
     <xsd:import namespace="1114de93-f3f1-4006-86a7-5ccf45982f95"/>
@@ -29841,15 +29651,6 @@
 </ct:contentTypeSchema>
 </file>
 
-<file path=customXml/item2.xml><?xml version="1.0" encoding="utf-8"?>
-<?mso-contentType ?>
-<FormTemplates xmlns="http://schemas.microsoft.com/sharepoint/v3/contenttype/forms">
-  <Display>DocumentLibraryForm</Display>
-  <Edit>DocumentLibraryForm</Edit>
-  <New>DocumentLibraryForm</New>
-</FormTemplates>
-</file>
-
 <file path=customXml/item3.xml><?xml version="1.0" encoding="utf-8"?>
 <p:properties xmlns:p="http://schemas.microsoft.com/office/2006/metadata/properties" xmlns:xsi="http://www.w3.org/2001/XMLSchema-instance" xmlns:pc="http://schemas.microsoft.com/office/infopath/2007/PartnerControls">
   <documentManagement/>
@@ -29857,6 +29658,14 @@
 </file>
 
 <file path=customXml/itemProps1.xml><?xml version="1.0" encoding="utf-8"?>
+<ds:datastoreItem xmlns:ds="http://schemas.openxmlformats.org/officeDocument/2006/customXml" ds:itemID="{157334A5-9FC3-45D0-94A4-8323ECE4A22E}">
+  <ds:schemaRefs>
+    <ds:schemaRef ds:uri="http://schemas.microsoft.com/sharepoint/v3/contenttype/forms"/>
+  </ds:schemaRefs>
+</ds:datastoreItem>
+</file>
+
+<file path=customXml/itemProps2.xml><?xml version="1.0" encoding="utf-8"?>
 <ds:datastoreItem xmlns:ds="http://schemas.openxmlformats.org/officeDocument/2006/customXml" ds:itemID="{BD8A991C-8383-496C-A5A1-6FFDD0A3E58C}">
   <ds:schemaRefs>
     <ds:schemaRef ds:uri="http://schemas.microsoft.com/office/2006/metadata/contentType"/>
@@ -29875,24 +29684,16 @@
 </ds:datastoreItem>
 </file>
 
-<file path=customXml/itemProps2.xml><?xml version="1.0" encoding="utf-8"?>
-<ds:datastoreItem xmlns:ds="http://schemas.openxmlformats.org/officeDocument/2006/customXml" ds:itemID="{157334A5-9FC3-45D0-94A4-8323ECE4A22E}">
-  <ds:schemaRefs>
-    <ds:schemaRef ds:uri="http://schemas.microsoft.com/sharepoint/v3/contenttype/forms"/>
-  </ds:schemaRefs>
-</ds:datastoreItem>
-</file>
-
 <file path=customXml/itemProps3.xml><?xml version="1.0" encoding="utf-8"?>
 <ds:datastoreItem xmlns:ds="http://schemas.openxmlformats.org/officeDocument/2006/customXml" ds:itemID="{B42055B9-BFC7-4162-B026-AFBB986E94A4}">
   <ds:schemaRefs>
-    <ds:schemaRef ds:uri="http://schemas.microsoft.com/office/2006/metadata/properties"/>
-    <ds:schemaRef ds:uri="http://purl.org/dc/terms/"/>
-    <ds:schemaRef ds:uri="73a95059-53ff-4649-9213-6c5f0c8cde5d"/>
     <ds:schemaRef ds:uri="1114de93-f3f1-4006-86a7-5ccf45982f95"/>
     <ds:schemaRef ds:uri="http://schemas.microsoft.com/office/2006/documentManagement/types"/>
     <ds:schemaRef ds:uri="http://schemas.microsoft.com/office/infopath/2007/PartnerControls"/>
     <ds:schemaRef ds:uri="http://purl.org/dc/elements/1.1/"/>
+    <ds:schemaRef ds:uri="http://schemas.microsoft.com/office/2006/metadata/properties"/>
+    <ds:schemaRef ds:uri="http://purl.org/dc/terms/"/>
+    <ds:schemaRef ds:uri="73a95059-53ff-4649-9213-6c5f0c8cde5d"/>
     <ds:schemaRef ds:uri="http://schemas.openxmlformats.org/package/2006/metadata/core-properties"/>
     <ds:schemaRef ds:uri="http://www.w3.org/XML/1998/namespace"/>
     <ds:schemaRef ds:uri="http://purl.org/dc/dcmitype/"/>

--- a/slides/PSYC753_Chris1.pptx
+++ b/slides/PSYC753_Chris1.pptx
@@ -1584,6 +1584,96 @@
         </p:txBody>
       </p:sp>
     </p:spTree>
+  </p:cSld>
+  <p:clrMapOvr>
+    <a:masterClrMapping/>
+  </p:clrMapOvr>
+</p:notes>
+</file>
+
+<file path=ppt/notesSlides/notesSlide4.xml><?xml version="1.0" encoding="utf-8"?>
+<p:notes xmlns:a="http://schemas.openxmlformats.org/drawingml/2006/main" xmlns:r="http://schemas.openxmlformats.org/officeDocument/2006/relationships" xmlns:p="http://schemas.openxmlformats.org/presentationml/2006/main">
+  <p:cSld>
+    <p:spTree>
+      <p:nvGrpSpPr>
+        <p:cNvPr id="1" name=""/>
+        <p:cNvGrpSpPr/>
+        <p:nvPr/>
+      </p:nvGrpSpPr>
+      <p:grpSpPr>
+        <a:xfrm>
+          <a:off x="0" y="0"/>
+          <a:ext cx="0" cy="0"/>
+          <a:chOff x="0" y="0"/>
+          <a:chExt cx="0" cy="0"/>
+        </a:xfrm>
+      </p:grpSpPr>
+      <p:sp>
+        <p:nvSpPr>
+          <p:cNvPr id="2" name="Slide Image Placeholder 1"/>
+          <p:cNvSpPr>
+            <a:spLocks noGrp="1" noRot="1" noChangeAspect="1"/>
+          </p:cNvSpPr>
+          <p:nvPr>
+            <p:ph type="sldImg"/>
+          </p:nvPr>
+        </p:nvSpPr>
+        <p:spPr/>
+      </p:sp>
+      <p:sp>
+        <p:nvSpPr>
+          <p:cNvPr id="3" name="Notes Placeholder 2"/>
+          <p:cNvSpPr>
+            <a:spLocks noGrp="1"/>
+          </p:cNvSpPr>
+          <p:nvPr>
+            <p:ph type="body" idx="1"/>
+          </p:nvPr>
+        </p:nvSpPr>
+        <p:spPr/>
+        <p:txBody>
+          <a:bodyPr/>
+          <a:lstStyle/>
+          <a:p>
+            <a:endParaRPr lang="en-GB" dirty="0"/>
+          </a:p>
+        </p:txBody>
+      </p:sp>
+      <p:sp>
+        <p:nvSpPr>
+          <p:cNvPr id="4" name="Slide Number Placeholder 3"/>
+          <p:cNvSpPr>
+            <a:spLocks noGrp="1"/>
+          </p:cNvSpPr>
+          <p:nvPr>
+            <p:ph type="sldNum" sz="quarter" idx="10"/>
+          </p:nvPr>
+        </p:nvSpPr>
+        <p:spPr/>
+        <p:txBody>
+          <a:bodyPr/>
+          <a:lstStyle/>
+          <a:p>
+            <a:pPr>
+              <a:defRPr/>
+            </a:pPr>
+            <a:fld id="{6F64F925-4E7A-4B21-9387-827AAD3789BD}" type="slidenum">
+              <a:rPr lang="en-GB" altLang="en-US" smtClean="0"/>
+              <a:pPr>
+                <a:defRPr/>
+              </a:pPr>
+              <a:t>18</a:t>
+            </a:fld>
+            <a:endParaRPr lang="en-GB" altLang="en-US"/>
+          </a:p>
+        </p:txBody>
+      </p:sp>
+    </p:spTree>
+    <p:extLst>
+      <p:ext uri="{BB962C8B-B14F-4D97-AF65-F5344CB8AC3E}">
+        <p14:creationId xmlns:p14="http://schemas.microsoft.com/office/powerpoint/2010/main" val="1628347902"/>
+      </p:ext>
+    </p:extLst>
   </p:cSld>
   <p:clrMapOvr>
     <a:masterClrMapping/>
@@ -17371,11 +17461,11 @@
               <a:buNone/>
             </a:pPr>
             <a:r>
-              <a:rPr lang="en-GB" altLang="en-US" sz="3200" b="1" i="1"/>
+              <a:rPr lang="en-GB" altLang="en-US" sz="3200" b="1" i="1" dirty="0"/>
               <a:t>F</a:t>
             </a:r>
             <a:r>
-              <a:rPr lang="en-GB" altLang="en-US" sz="3200" b="1"/>
+              <a:rPr lang="en-GB" altLang="en-US" sz="3200" b="1" dirty="0"/>
               <a:t>-statistic</a:t>
             </a:r>
           </a:p>
@@ -17383,14 +17473,14 @@
             <a:pPr marL="0" indent="0" eaLnBrk="1" hangingPunct="1">
               <a:buNone/>
             </a:pPr>
-            <a:endParaRPr lang="en-GB" altLang="en-US" sz="2600" baseline="30000"/>
+            <a:endParaRPr lang="en-GB" altLang="en-US" sz="2600" baseline="30000" dirty="0"/>
           </a:p>
           <a:p>
             <a:pPr marL="0" indent="0" eaLnBrk="1" hangingPunct="1">
               <a:buNone/>
             </a:pPr>
             <a:r>
-              <a:rPr lang="en-GB" altLang="en-US" sz="2400"/>
+              <a:rPr lang="en-GB" altLang="en-US" sz="2400" dirty="0"/>
               <a:t>Asks: as a whole, does the model explain a statistically significant portion of the variance in the outcome variable?</a:t>
             </a:r>
           </a:p>
@@ -17398,14 +17488,14 @@
             <a:pPr marL="0" indent="0" eaLnBrk="1" hangingPunct="1">
               <a:buNone/>
             </a:pPr>
-            <a:endParaRPr lang="en-GB" altLang="en-US" sz="2400"/>
+            <a:endParaRPr lang="en-GB" altLang="en-US" sz="2400" dirty="0"/>
           </a:p>
           <a:p>
             <a:pPr marL="0" indent="0" eaLnBrk="1" hangingPunct="1">
               <a:buNone/>
             </a:pPr>
             <a:r>
-              <a:rPr lang="en-GB" altLang="en-US" sz="2400"/>
+              <a:rPr lang="en-GB" altLang="en-US" sz="2400" dirty="0"/>
               <a:t>e.g., a model with age and IQ as predictors explains a statistically significant portion of the variance in final examination grade</a:t>
             </a:r>
           </a:p>
@@ -17413,43 +17503,43 @@
             <a:pPr marL="0" indent="0" eaLnBrk="1" hangingPunct="1">
               <a:buNone/>
             </a:pPr>
-            <a:endParaRPr lang="en-GB" altLang="en-US" sz="2400"/>
+            <a:endParaRPr lang="en-GB" altLang="en-US" sz="2400" dirty="0"/>
           </a:p>
           <a:p>
             <a:pPr marL="0" indent="0" eaLnBrk="1" hangingPunct="1">
               <a:buNone/>
             </a:pPr>
-            <a:endParaRPr lang="en-GB" altLang="en-US" sz="2400"/>
+            <a:endParaRPr lang="en-GB" altLang="en-US" sz="2400" dirty="0"/>
           </a:p>
           <a:p>
             <a:pPr marL="0" indent="0" eaLnBrk="1" hangingPunct="1">
               <a:buNone/>
             </a:pPr>
-            <a:endParaRPr lang="en-GB" altLang="en-US" sz="2400"/>
+            <a:endParaRPr lang="en-GB" altLang="en-US" sz="2400" dirty="0"/>
           </a:p>
           <a:p>
             <a:pPr marL="0" indent="0" eaLnBrk="1" hangingPunct="1">
               <a:buNone/>
             </a:pPr>
-            <a:endParaRPr lang="en-GB" altLang="en-US" sz="2600" baseline="30000"/>
+            <a:endParaRPr lang="en-GB" altLang="en-US" sz="2600" baseline="30000" dirty="0"/>
           </a:p>
           <a:p>
             <a:pPr marL="0" indent="0" eaLnBrk="1" hangingPunct="1">
               <a:buNone/>
             </a:pPr>
-            <a:endParaRPr lang="en-GB" altLang="en-US" sz="2600" baseline="30000"/>
+            <a:endParaRPr lang="en-GB" altLang="en-US" sz="2600" baseline="30000" dirty="0"/>
           </a:p>
           <a:p>
             <a:pPr marL="0" indent="0" eaLnBrk="1" hangingPunct="1">
               <a:buNone/>
             </a:pPr>
-            <a:endParaRPr lang="en-GB" altLang="en-US" sz="2600" baseline="30000"/>
+            <a:endParaRPr lang="en-GB" altLang="en-US" sz="2600" baseline="30000" dirty="0"/>
           </a:p>
           <a:p>
             <a:pPr marL="0" indent="0" eaLnBrk="1" hangingPunct="1">
               <a:buNone/>
             </a:pPr>
-            <a:endParaRPr lang="en-GB" altLang="en-US" sz="2600" baseline="30000"/>
+            <a:endParaRPr lang="en-GB" altLang="en-US" sz="2600" baseline="30000" dirty="0"/>
           </a:p>
         </p:txBody>
       </p:sp>
@@ -20053,7 +20143,25 @@
                 </a:solidFill>
                 <a:latin typeface="+mn-lt"/>
               </a:rPr>
-              <a:t>Today’s worksheet: “Building Models 1”</a:t>
+              <a:t>Today’s worksheet: </a:t>
+            </a:r>
+            <a:r>
+              <a:rPr lang="en-GB" altLang="en-US" b="1" dirty="0" smtClean="0">
+                <a:solidFill>
+                  <a:srgbClr val="002060"/>
+                </a:solidFill>
+                <a:latin typeface="+mn-lt"/>
+              </a:rPr>
+              <a:t>“Week 16 - Building </a:t>
+            </a:r>
+            <a:r>
+              <a:rPr lang="en-GB" altLang="en-US" b="1" dirty="0" smtClean="0">
+                <a:solidFill>
+                  <a:srgbClr val="002060"/>
+                </a:solidFill>
+                <a:latin typeface="+mn-lt"/>
+              </a:rPr>
+              <a:t>Models 1”</a:t>
             </a:r>
           </a:p>
         </p:txBody>
@@ -20141,7 +20249,15 @@
             </a:br>
             <a:r>
               <a:rPr lang="en-GB" altLang="en-US" sz="3200" dirty="0"/>
-              <a:t>- Workshop</a:t>
+              <a:t>- </a:t>
+            </a:r>
+            <a:r>
+              <a:rPr lang="en-GB" altLang="en-US" sz="3200" dirty="0" smtClean="0"/>
+              <a:t>Workbook</a:t>
+            </a:r>
+            <a:r>
+              <a:rPr lang="en-GB" altLang="en-US" sz="3200" dirty="0"/>
+              <a:t/>
             </a:r>
             <a:br>
               <a:rPr lang="en-GB" altLang="en-US" sz="3200" dirty="0"/>
@@ -21081,7 +21197,7 @@
                             </p:stCondLst>
                             <p:childTnLst>
                               <p:par>
-                                <p:cTn id="5" presetID="10" presetClass="entr" presetSubtype="0" fill="hold" nodeType="clickEffect">
+                                <p:cTn id="5" presetID="1" presetClass="entr" presetSubtype="0" fill="hold" nodeType="clickEffect">
                                   <p:stCondLst>
                                     <p:cond delay="0"/>
                                   </p:stCondLst>
@@ -21089,6 +21205,86 @@
                                     <p:set>
                                       <p:cBhvr>
                                         <p:cTn id="6" dur="1" fill="hold">
+                                          <p:stCondLst>
+                                            <p:cond delay="0"/>
+                                          </p:stCondLst>
+                                        </p:cTn>
+                                        <p:tgtEl>
+                                          <p:spTgt spid="3">
+                                            <p:txEl>
+                                              <p:pRg st="0" end="0"/>
+                                            </p:txEl>
+                                          </p:spTgt>
+                                        </p:tgtEl>
+                                        <p:attrNameLst>
+                                          <p:attrName>style.visibility</p:attrName>
+                                        </p:attrNameLst>
+                                      </p:cBhvr>
+                                      <p:to>
+                                        <p:strVal val="visible"/>
+                                      </p:to>
+                                    </p:set>
+                                  </p:childTnLst>
+                                </p:cTn>
+                              </p:par>
+                              <p:par>
+                                <p:cTn id="7" presetID="1" presetClass="entr" presetSubtype="0" fill="hold" nodeType="withEffect">
+                                  <p:stCondLst>
+                                    <p:cond delay="0"/>
+                                  </p:stCondLst>
+                                  <p:childTnLst>
+                                    <p:set>
+                                      <p:cBhvr>
+                                        <p:cTn id="8" dur="1" fill="hold">
+                                          <p:stCondLst>
+                                            <p:cond delay="0"/>
+                                          </p:stCondLst>
+                                        </p:cTn>
+                                        <p:tgtEl>
+                                          <p:spTgt spid="3">
+                                            <p:txEl>
+                                              <p:pRg st="1" end="1"/>
+                                            </p:txEl>
+                                          </p:spTgt>
+                                        </p:tgtEl>
+                                        <p:attrNameLst>
+                                          <p:attrName>style.visibility</p:attrName>
+                                        </p:attrNameLst>
+                                      </p:cBhvr>
+                                      <p:to>
+                                        <p:strVal val="visible"/>
+                                      </p:to>
+                                    </p:set>
+                                  </p:childTnLst>
+                                </p:cTn>
+                              </p:par>
+                            </p:childTnLst>
+                          </p:cTn>
+                        </p:par>
+                      </p:childTnLst>
+                    </p:cTn>
+                  </p:par>
+                  <p:par>
+                    <p:cTn id="9" fill="hold">
+                      <p:stCondLst>
+                        <p:cond delay="indefinite"/>
+                      </p:stCondLst>
+                      <p:childTnLst>
+                        <p:par>
+                          <p:cTn id="10" fill="hold">
+                            <p:stCondLst>
+                              <p:cond delay="0"/>
+                            </p:stCondLst>
+                            <p:childTnLst>
+                              <p:par>
+                                <p:cTn id="11" presetID="10" presetClass="entr" presetSubtype="0" fill="hold" nodeType="clickEffect">
+                                  <p:stCondLst>
+                                    <p:cond delay="0"/>
+                                  </p:stCondLst>
+                                  <p:childTnLst>
+                                    <p:set>
+                                      <p:cBhvr>
+                                        <p:cTn id="12" dur="1" fill="hold">
                                           <p:stCondLst>
                                             <p:cond delay="0"/>
                                           </p:stCondLst>
@@ -21110,7 +21306,7 @@
                                     </p:set>
                                     <p:animEffect transition="in" filter="fade">
                                       <p:cBhvr>
-                                        <p:cTn id="7" dur="500"/>
+                                        <p:cTn id="13" dur="500"/>
                                         <p:tgtEl>
                                           <p:spTgt spid="3">
                                             <p:txEl>
@@ -21130,26 +21326,26 @@
                     </p:cTn>
                   </p:par>
                   <p:par>
-                    <p:cTn id="8" fill="hold" nodeType="clickPar">
+                    <p:cTn id="14" fill="hold" nodeType="clickPar">
                       <p:stCondLst>
                         <p:cond delay="indefinite"/>
                       </p:stCondLst>
                       <p:childTnLst>
                         <p:par>
-                          <p:cTn id="9" fill="hold" nodeType="withGroup">
+                          <p:cTn id="15" fill="hold" nodeType="withGroup">
                             <p:stCondLst>
                               <p:cond delay="0"/>
                             </p:stCondLst>
                             <p:childTnLst>
                               <p:par>
-                                <p:cTn id="10" presetID="10" presetClass="entr" presetSubtype="0" fill="hold" grpId="0" nodeType="clickEffect">
+                                <p:cTn id="16" presetID="10" presetClass="entr" presetSubtype="0" fill="hold" grpId="0" nodeType="clickEffect">
                                   <p:stCondLst>
                                     <p:cond delay="0"/>
                                   </p:stCondLst>
                                   <p:childTnLst>
                                     <p:set>
                                       <p:cBhvr>
-                                        <p:cTn id="11" dur="1" fill="hold">
+                                        <p:cTn id="17" dur="1" fill="hold">
                                           <p:stCondLst>
                                             <p:cond delay="0"/>
                                           </p:stCondLst>
@@ -21167,79 +21363,9 @@
                                     </p:set>
                                     <p:animEffect transition="in" filter="fade">
                                       <p:cBhvr>
-                                        <p:cTn id="12" dur="500"/>
+                                        <p:cTn id="18" dur="500"/>
                                         <p:tgtEl>
                                           <p:spTgt spid="5"/>
-                                        </p:tgtEl>
-                                      </p:cBhvr>
-                                    </p:animEffect>
-                                  </p:childTnLst>
-                                </p:cTn>
-                              </p:par>
-                              <p:par>
-                                <p:cTn id="13" presetID="10" presetClass="entr" presetSubtype="0" fill="hold" grpId="0" nodeType="withEffect">
-                                  <p:stCondLst>
-                                    <p:cond delay="0"/>
-                                  </p:stCondLst>
-                                  <p:childTnLst>
-                                    <p:set>
-                                      <p:cBhvr>
-                                        <p:cTn id="14" dur="1" fill="hold">
-                                          <p:stCondLst>
-                                            <p:cond delay="0"/>
-                                          </p:stCondLst>
-                                        </p:cTn>
-                                        <p:tgtEl>
-                                          <p:spTgt spid="10"/>
-                                        </p:tgtEl>
-                                        <p:attrNameLst>
-                                          <p:attrName>style.visibility</p:attrName>
-                                        </p:attrNameLst>
-                                      </p:cBhvr>
-                                      <p:to>
-                                        <p:strVal val="visible"/>
-                                      </p:to>
-                                    </p:set>
-                                    <p:animEffect transition="in" filter="fade">
-                                      <p:cBhvr>
-                                        <p:cTn id="15" dur="500"/>
-                                        <p:tgtEl>
-                                          <p:spTgt spid="10"/>
-                                        </p:tgtEl>
-                                      </p:cBhvr>
-                                    </p:animEffect>
-                                  </p:childTnLst>
-                                </p:cTn>
-                              </p:par>
-                              <p:par>
-                                <p:cTn id="16" presetID="10" presetClass="entr" presetSubtype="0" fill="hold" nodeType="withEffect">
-                                  <p:stCondLst>
-                                    <p:cond delay="0"/>
-                                  </p:stCondLst>
-                                  <p:childTnLst>
-                                    <p:set>
-                                      <p:cBhvr>
-                                        <p:cTn id="17" dur="1" fill="hold">
-                                          <p:stCondLst>
-                                            <p:cond delay="0"/>
-                                          </p:stCondLst>
-                                        </p:cTn>
-                                        <p:tgtEl>
-                                          <p:spTgt spid="7"/>
-                                        </p:tgtEl>
-                                        <p:attrNameLst>
-                                          <p:attrName>style.visibility</p:attrName>
-                                        </p:attrNameLst>
-                                      </p:cBhvr>
-                                      <p:to>
-                                        <p:strVal val="visible"/>
-                                      </p:to>
-                                    </p:set>
-                                    <p:animEffect transition="in" filter="fade">
-                                      <p:cBhvr>
-                                        <p:cTn id="18" dur="500"/>
-                                        <p:tgtEl>
-                                          <p:spTgt spid="7"/>
                                         </p:tgtEl>
                                       </p:cBhvr>
                                     </p:animEffect>
@@ -21260,7 +21386,7 @@
                                           </p:stCondLst>
                                         </p:cTn>
                                         <p:tgtEl>
-                                          <p:spTgt spid="8"/>
+                                          <p:spTgt spid="10"/>
                                         </p:tgtEl>
                                         <p:attrNameLst>
                                           <p:attrName>style.visibility</p:attrName>
@@ -21274,6 +21400,76 @@
                                       <p:cBhvr>
                                         <p:cTn id="21" dur="500"/>
                                         <p:tgtEl>
+                                          <p:spTgt spid="10"/>
+                                        </p:tgtEl>
+                                      </p:cBhvr>
+                                    </p:animEffect>
+                                  </p:childTnLst>
+                                </p:cTn>
+                              </p:par>
+                              <p:par>
+                                <p:cTn id="22" presetID="10" presetClass="entr" presetSubtype="0" fill="hold" nodeType="withEffect">
+                                  <p:stCondLst>
+                                    <p:cond delay="0"/>
+                                  </p:stCondLst>
+                                  <p:childTnLst>
+                                    <p:set>
+                                      <p:cBhvr>
+                                        <p:cTn id="23" dur="1" fill="hold">
+                                          <p:stCondLst>
+                                            <p:cond delay="0"/>
+                                          </p:stCondLst>
+                                        </p:cTn>
+                                        <p:tgtEl>
+                                          <p:spTgt spid="7"/>
+                                        </p:tgtEl>
+                                        <p:attrNameLst>
+                                          <p:attrName>style.visibility</p:attrName>
+                                        </p:attrNameLst>
+                                      </p:cBhvr>
+                                      <p:to>
+                                        <p:strVal val="visible"/>
+                                      </p:to>
+                                    </p:set>
+                                    <p:animEffect transition="in" filter="fade">
+                                      <p:cBhvr>
+                                        <p:cTn id="24" dur="500"/>
+                                        <p:tgtEl>
+                                          <p:spTgt spid="7"/>
+                                        </p:tgtEl>
+                                      </p:cBhvr>
+                                    </p:animEffect>
+                                  </p:childTnLst>
+                                </p:cTn>
+                              </p:par>
+                              <p:par>
+                                <p:cTn id="25" presetID="10" presetClass="entr" presetSubtype="0" fill="hold" grpId="0" nodeType="withEffect">
+                                  <p:stCondLst>
+                                    <p:cond delay="0"/>
+                                  </p:stCondLst>
+                                  <p:childTnLst>
+                                    <p:set>
+                                      <p:cBhvr>
+                                        <p:cTn id="26" dur="1" fill="hold">
+                                          <p:stCondLst>
+                                            <p:cond delay="0"/>
+                                          </p:stCondLst>
+                                        </p:cTn>
+                                        <p:tgtEl>
+                                          <p:spTgt spid="8"/>
+                                        </p:tgtEl>
+                                        <p:attrNameLst>
+                                          <p:attrName>style.visibility</p:attrName>
+                                        </p:attrNameLst>
+                                      </p:cBhvr>
+                                      <p:to>
+                                        <p:strVal val="visible"/>
+                                      </p:to>
+                                    </p:set>
+                                    <p:animEffect transition="in" filter="fade">
+                                      <p:cBhvr>
+                                        <p:cTn id="27" dur="500"/>
+                                        <p:tgtEl>
                                           <p:spTgt spid="8"/>
                                         </p:tgtEl>
                                       </p:cBhvr>
@@ -21282,14 +21478,14 @@
                                 </p:cTn>
                               </p:par>
                               <p:par>
-                                <p:cTn id="22" presetID="10" presetClass="entr" presetSubtype="0" fill="hold" grpId="0" nodeType="withEffect">
+                                <p:cTn id="28" presetID="10" presetClass="entr" presetSubtype="0" fill="hold" grpId="0" nodeType="withEffect">
                                   <p:stCondLst>
                                     <p:cond delay="0"/>
                                   </p:stCondLst>
                                   <p:childTnLst>
                                     <p:set>
                                       <p:cBhvr>
-                                        <p:cTn id="23" dur="1" fill="hold">
+                                        <p:cTn id="29" dur="1" fill="hold">
                                           <p:stCondLst>
                                             <p:cond delay="0"/>
                                           </p:stCondLst>
@@ -21307,7 +21503,7 @@
                                     </p:set>
                                     <p:animEffect transition="in" filter="fade">
                                       <p:cBhvr>
-                                        <p:cTn id="24" dur="500"/>
+                                        <p:cTn id="30" dur="500"/>
                                         <p:tgtEl>
                                           <p:spTgt spid="6"/>
                                         </p:tgtEl>
@@ -21323,26 +21519,26 @@
                     </p:cTn>
                   </p:par>
                   <p:par>
-                    <p:cTn id="25" fill="hold" nodeType="clickPar">
+                    <p:cTn id="31" fill="hold" nodeType="clickPar">
                       <p:stCondLst>
                         <p:cond delay="indefinite"/>
                       </p:stCondLst>
                       <p:childTnLst>
                         <p:par>
-                          <p:cTn id="26" fill="hold" nodeType="withGroup">
+                          <p:cTn id="32" fill="hold" nodeType="withGroup">
                             <p:stCondLst>
                               <p:cond delay="0"/>
                             </p:stCondLst>
                             <p:childTnLst>
                               <p:par>
-                                <p:cTn id="27" presetID="10" presetClass="entr" presetSubtype="0" fill="hold" nodeType="clickEffect">
+                                <p:cTn id="33" presetID="10" presetClass="entr" presetSubtype="0" fill="hold" nodeType="clickEffect">
                                   <p:stCondLst>
                                     <p:cond delay="0"/>
                                   </p:stCondLst>
                                   <p:childTnLst>
                                     <p:set>
                                       <p:cBhvr>
-                                        <p:cTn id="28" dur="1" fill="hold">
+                                        <p:cTn id="34" dur="1" fill="hold">
                                           <p:stCondLst>
                                             <p:cond delay="0"/>
                                           </p:stCondLst>
@@ -21364,7 +21560,7 @@
                                     </p:set>
                                     <p:animEffect transition="in" filter="fade">
                                       <p:cBhvr>
-                                        <p:cTn id="29" dur="500"/>
+                                        <p:cTn id="35" dur="500"/>
                                         <p:tgtEl>
                                           <p:spTgt spid="3">
                                             <p:txEl>
@@ -21378,14 +21574,14 @@
                                 </p:cTn>
                               </p:par>
                               <p:par>
-                                <p:cTn id="30" presetID="10" presetClass="entr" presetSubtype="0" fill="hold" nodeType="withEffect">
+                                <p:cTn id="36" presetID="10" presetClass="entr" presetSubtype="0" fill="hold" nodeType="withEffect">
                                   <p:stCondLst>
                                     <p:cond delay="0"/>
                                   </p:stCondLst>
                                   <p:childTnLst>
                                     <p:set>
                                       <p:cBhvr>
-                                        <p:cTn id="31" dur="1" fill="hold">
+                                        <p:cTn id="37" dur="1" fill="hold">
                                           <p:stCondLst>
                                             <p:cond delay="0"/>
                                           </p:stCondLst>
@@ -21407,7 +21603,7 @@
                                     </p:set>
                                     <p:animEffect transition="in" filter="fade">
                                       <p:cBhvr>
-                                        <p:cTn id="32" dur="500"/>
+                                        <p:cTn id="38" dur="500"/>
                                         <p:tgtEl>
                                           <p:spTgt spid="3">
                                             <p:txEl>
@@ -21427,26 +21623,26 @@
                     </p:cTn>
                   </p:par>
                   <p:par>
-                    <p:cTn id="33" fill="hold" nodeType="clickPar">
+                    <p:cTn id="39" fill="hold" nodeType="clickPar">
                       <p:stCondLst>
                         <p:cond delay="indefinite"/>
                       </p:stCondLst>
                       <p:childTnLst>
                         <p:par>
-                          <p:cTn id="34" fill="hold" nodeType="withGroup">
+                          <p:cTn id="40" fill="hold" nodeType="withGroup">
                             <p:stCondLst>
                               <p:cond delay="0"/>
                             </p:stCondLst>
                             <p:childTnLst>
                               <p:par>
-                                <p:cTn id="35" presetID="10" presetClass="entr" presetSubtype="0" fill="hold" nodeType="clickEffect">
+                                <p:cTn id="41" presetID="10" presetClass="entr" presetSubtype="0" fill="hold" nodeType="clickEffect">
                                   <p:stCondLst>
                                     <p:cond delay="0"/>
                                   </p:stCondLst>
                                   <p:childTnLst>
                                     <p:set>
                                       <p:cBhvr>
-                                        <p:cTn id="36" dur="1" fill="hold">
+                                        <p:cTn id="42" dur="1" fill="hold">
                                           <p:stCondLst>
                                             <p:cond delay="0"/>
                                           </p:stCondLst>
@@ -21468,7 +21664,7 @@
                                     </p:set>
                                     <p:animEffect transition="in" filter="fade">
                                       <p:cBhvr>
-                                        <p:cTn id="37" dur="500"/>
+                                        <p:cTn id="43" dur="500"/>
                                         <p:tgtEl>
                                           <p:spTgt spid="3">
                                             <p:txEl>
@@ -21482,14 +21678,14 @@
                                 </p:cTn>
                               </p:par>
                               <p:par>
-                                <p:cTn id="38" presetID="10" presetClass="entr" presetSubtype="0" fill="hold" nodeType="withEffect">
+                                <p:cTn id="44" presetID="10" presetClass="entr" presetSubtype="0" fill="hold" nodeType="withEffect">
                                   <p:stCondLst>
                                     <p:cond delay="0"/>
                                   </p:stCondLst>
                                   <p:childTnLst>
                                     <p:set>
                                       <p:cBhvr>
-                                        <p:cTn id="39" dur="1" fill="hold">
+                                        <p:cTn id="45" dur="1" fill="hold">
                                           <p:stCondLst>
                                             <p:cond delay="0"/>
                                           </p:stCondLst>
@@ -21511,7 +21707,7 @@
                                     </p:set>
                                     <p:animEffect transition="in" filter="fade">
                                       <p:cBhvr>
-                                        <p:cTn id="40" dur="500"/>
+                                        <p:cTn id="46" dur="500"/>
                                         <p:tgtEl>
                                           <p:spTgt spid="3">
                                             <p:txEl>
@@ -21525,14 +21721,14 @@
                                 </p:cTn>
                               </p:par>
                               <p:par>
-                                <p:cTn id="41" presetID="10" presetClass="entr" presetSubtype="0" fill="hold" nodeType="withEffect">
+                                <p:cTn id="47" presetID="10" presetClass="entr" presetSubtype="0" fill="hold" nodeType="withEffect">
                                   <p:stCondLst>
                                     <p:cond delay="0"/>
                                   </p:stCondLst>
                                   <p:childTnLst>
                                     <p:set>
                                       <p:cBhvr>
-                                        <p:cTn id="42" dur="1" fill="hold">
+                                        <p:cTn id="48" dur="1" fill="hold">
                                           <p:stCondLst>
                                             <p:cond delay="0"/>
                                           </p:stCondLst>
@@ -21554,7 +21750,7 @@
                                     </p:set>
                                     <p:animEffect transition="in" filter="fade">
                                       <p:cBhvr>
-                                        <p:cTn id="43" dur="500"/>
+                                        <p:cTn id="49" dur="500"/>
                                         <p:tgtEl>
                                           <p:spTgt spid="3">
                                             <p:txEl>
@@ -21574,26 +21770,26 @@
                     </p:cTn>
                   </p:par>
                   <p:par>
-                    <p:cTn id="44" fill="hold" nodeType="clickPar">
+                    <p:cTn id="50" fill="hold" nodeType="clickPar">
                       <p:stCondLst>
                         <p:cond delay="indefinite"/>
                       </p:stCondLst>
                       <p:childTnLst>
                         <p:par>
-                          <p:cTn id="45" fill="hold" nodeType="withGroup">
+                          <p:cTn id="51" fill="hold" nodeType="withGroup">
                             <p:stCondLst>
                               <p:cond delay="0"/>
                             </p:stCondLst>
                             <p:childTnLst>
                               <p:par>
-                                <p:cTn id="46" presetID="10" presetClass="entr" presetSubtype="0" fill="hold" nodeType="clickEffect">
+                                <p:cTn id="52" presetID="10" presetClass="entr" presetSubtype="0" fill="hold" nodeType="clickEffect">
                                   <p:stCondLst>
                                     <p:cond delay="0"/>
                                   </p:stCondLst>
                                   <p:childTnLst>
                                     <p:set>
                                       <p:cBhvr>
-                                        <p:cTn id="47" dur="1" fill="hold">
+                                        <p:cTn id="53" dur="1" fill="hold">
                                           <p:stCondLst>
                                             <p:cond delay="0"/>
                                           </p:stCondLst>
@@ -21615,7 +21811,7 @@
                                     </p:set>
                                     <p:animEffect transition="in" filter="fade">
                                       <p:cBhvr>
-                                        <p:cTn id="48" dur="500"/>
+                                        <p:cTn id="54" dur="500"/>
                                         <p:tgtEl>
                                           <p:spTgt spid="3">
                                             <p:txEl>
@@ -29420,15 +29616,6 @@
 </file>
 
 <file path=customXml/item1.xml><?xml version="1.0" encoding="utf-8"?>
-<?mso-contentType ?>
-<FormTemplates xmlns="http://schemas.microsoft.com/sharepoint/v3/contenttype/forms">
-  <Display>DocumentLibraryForm</Display>
-  <Edit>DocumentLibraryForm</Edit>
-  <New>DocumentLibraryForm</New>
-</FormTemplates>
-</file>
-
-<file path=customXml/item2.xml><?xml version="1.0" encoding="utf-8"?>
 <ct:contentTypeSchema xmlns:ct="http://schemas.microsoft.com/office/2006/metadata/contentType" xmlns:ma="http://schemas.microsoft.com/office/2006/metadata/properties/metaAttributes" ct:_="" ma:_="" ma:contentTypeName="Document" ma:contentTypeID="0x01010039C78F475D24344A969CCF416FCD45BB" ma:contentTypeVersion="13" ma:contentTypeDescription="Create a new document." ma:contentTypeScope="" ma:versionID="a0c5b494e4ac53bd353fcdbd7799a3f3">
   <xsd:schema xmlns:xsd="http://www.w3.org/2001/XMLSchema" xmlns:xs="http://www.w3.org/2001/XMLSchema" xmlns:p="http://schemas.microsoft.com/office/2006/metadata/properties" xmlns:ns3="1114de93-f3f1-4006-86a7-5ccf45982f95" xmlns:ns4="73a95059-53ff-4649-9213-6c5f0c8cde5d" targetNamespace="http://schemas.microsoft.com/office/2006/metadata/properties" ma:root="true" ma:fieldsID="ec7692872867c9011b958cb5bd08a7df" ns3:_="" ns4:_="">
     <xsd:import namespace="1114de93-f3f1-4006-86a7-5ccf45982f95"/>
@@ -29651,6 +29838,15 @@
 </ct:contentTypeSchema>
 </file>
 
+<file path=customXml/item2.xml><?xml version="1.0" encoding="utf-8"?>
+<?mso-contentType ?>
+<FormTemplates xmlns="http://schemas.microsoft.com/sharepoint/v3/contenttype/forms">
+  <Display>DocumentLibraryForm</Display>
+  <Edit>DocumentLibraryForm</Edit>
+  <New>DocumentLibraryForm</New>
+</FormTemplates>
+</file>
+
 <file path=customXml/item3.xml><?xml version="1.0" encoding="utf-8"?>
 <p:properties xmlns:p="http://schemas.microsoft.com/office/2006/metadata/properties" xmlns:xsi="http://www.w3.org/2001/XMLSchema-instance" xmlns:pc="http://schemas.microsoft.com/office/infopath/2007/PartnerControls">
   <documentManagement/>
@@ -29658,14 +29854,6 @@
 </file>
 
 <file path=customXml/itemProps1.xml><?xml version="1.0" encoding="utf-8"?>
-<ds:datastoreItem xmlns:ds="http://schemas.openxmlformats.org/officeDocument/2006/customXml" ds:itemID="{157334A5-9FC3-45D0-94A4-8323ECE4A22E}">
-  <ds:schemaRefs>
-    <ds:schemaRef ds:uri="http://schemas.microsoft.com/sharepoint/v3/contenttype/forms"/>
-  </ds:schemaRefs>
-</ds:datastoreItem>
-</file>
-
-<file path=customXml/itemProps2.xml><?xml version="1.0" encoding="utf-8"?>
 <ds:datastoreItem xmlns:ds="http://schemas.openxmlformats.org/officeDocument/2006/customXml" ds:itemID="{BD8A991C-8383-496C-A5A1-6FFDD0A3E58C}">
   <ds:schemaRefs>
     <ds:schemaRef ds:uri="http://schemas.microsoft.com/office/2006/metadata/contentType"/>
@@ -29684,19 +29872,27 @@
 </ds:datastoreItem>
 </file>
 
+<file path=customXml/itemProps2.xml><?xml version="1.0" encoding="utf-8"?>
+<ds:datastoreItem xmlns:ds="http://schemas.openxmlformats.org/officeDocument/2006/customXml" ds:itemID="{157334A5-9FC3-45D0-94A4-8323ECE4A22E}">
+  <ds:schemaRefs>
+    <ds:schemaRef ds:uri="http://schemas.microsoft.com/sharepoint/v3/contenttype/forms"/>
+  </ds:schemaRefs>
+</ds:datastoreItem>
+</file>
+
 <file path=customXml/itemProps3.xml><?xml version="1.0" encoding="utf-8"?>
 <ds:datastoreItem xmlns:ds="http://schemas.openxmlformats.org/officeDocument/2006/customXml" ds:itemID="{B42055B9-BFC7-4162-B026-AFBB986E94A4}">
   <ds:schemaRefs>
     <ds:schemaRef ds:uri="1114de93-f3f1-4006-86a7-5ccf45982f95"/>
+    <ds:schemaRef ds:uri="http://purl.org/dc/dcmitype/"/>
+    <ds:schemaRef ds:uri="http://schemas.microsoft.com/office/infopath/2007/PartnerControls"/>
     <ds:schemaRef ds:uri="http://schemas.microsoft.com/office/2006/documentManagement/types"/>
-    <ds:schemaRef ds:uri="http://schemas.microsoft.com/office/infopath/2007/PartnerControls"/>
     <ds:schemaRef ds:uri="http://purl.org/dc/elements/1.1/"/>
     <ds:schemaRef ds:uri="http://schemas.microsoft.com/office/2006/metadata/properties"/>
     <ds:schemaRef ds:uri="http://purl.org/dc/terms/"/>
     <ds:schemaRef ds:uri="73a95059-53ff-4649-9213-6c5f0c8cde5d"/>
     <ds:schemaRef ds:uri="http://schemas.openxmlformats.org/package/2006/metadata/core-properties"/>
     <ds:schemaRef ds:uri="http://www.w3.org/XML/1998/namespace"/>
-    <ds:schemaRef ds:uri="http://purl.org/dc/dcmitype/"/>
   </ds:schemaRefs>
 </ds:datastoreItem>
 </file>